--- a/lessons/E_DataPrep_Rpart_RF/C_RandomForests.pptx
+++ b/lessons/E_DataPrep_Rpart_RF/C_RandomForests.pptx
@@ -221,7 +221,7 @@
           <a:p>
             <a:fld id="{B0C0A60C-850A-4EA4-9C14-A8FE98B94505}" type="datetimeFigureOut">
               <a:rPr lang="en-US" smtClean="0"/>
-              <a:t>5/17/23</a:t>
+              <a:t>5/30/23</a:t>
             </a:fld>
             <a:endParaRPr lang="en-US"/>
           </a:p>
@@ -704,7 +704,7 @@
           <a:p>
             <a:fld id="{5738B90E-0779-4C36-915C-6F05FCD89456}" type="datetime1">
               <a:rPr lang="en-US" smtClean="0"/>
-              <a:t>5/17/23</a:t>
+              <a:t>5/30/23</a:t>
             </a:fld>
             <a:endParaRPr lang="en-US"/>
           </a:p>
@@ -887,7 +887,7 @@
           <a:p>
             <a:fld id="{7B9EA29D-D431-42FE-B7B6-AAE4454C77D3}" type="datetime1">
               <a:rPr lang="en-US" smtClean="0"/>
-              <a:t>5/17/23</a:t>
+              <a:t>5/30/23</a:t>
             </a:fld>
             <a:endParaRPr lang="en-US"/>
           </a:p>
@@ -1130,7 +1130,7 @@
           <a:p>
             <a:fld id="{690D8A1E-EA8F-46C1-B891-AE0C00D9C314}" type="datetime1">
               <a:rPr lang="en-US" smtClean="0"/>
-              <a:t>5/17/23</a:t>
+              <a:t>5/30/23</a:t>
             </a:fld>
             <a:endParaRPr lang="en-US"/>
           </a:p>
@@ -1389,7 +1389,7 @@
           <a:p>
             <a:fld id="{D753EFC8-4232-4598-94F6-94C0EBAFC469}" type="datetime1">
               <a:rPr lang="en-US" smtClean="0"/>
-              <a:t>5/17/23</a:t>
+              <a:t>5/30/23</a:t>
             </a:fld>
             <a:endParaRPr lang="en-US"/>
           </a:p>
@@ -1669,7 +1669,7 @@
           <a:p>
             <a:fld id="{F3161074-1C18-4AE7-957D-F18524378C85}" type="datetime1">
               <a:rPr lang="en-US" smtClean="0"/>
-              <a:t>5/17/23</a:t>
+              <a:t>5/30/23</a:t>
             </a:fld>
             <a:endParaRPr lang="en-US"/>
           </a:p>
@@ -1908,7 +1908,7 @@
           <a:p>
             <a:fld id="{69BE256C-8D9A-4404-B47D-41A1AE514425}" type="datetime1">
               <a:rPr lang="en-US" smtClean="0"/>
-              <a:t>5/17/23</a:t>
+              <a:t>5/30/23</a:t>
             </a:fld>
             <a:endParaRPr lang="en-US"/>
           </a:p>
@@ -2307,7 +2307,7 @@
           <a:p>
             <a:fld id="{66CB2154-9035-4012-8189-BAAB61C5A5EE}" type="datetime1">
               <a:rPr lang="en-US" smtClean="0"/>
-              <a:t>5/17/23</a:t>
+              <a:t>5/30/23</a:t>
             </a:fld>
             <a:endParaRPr lang="en-US"/>
           </a:p>
@@ -2464,7 +2464,7 @@
           <a:p>
             <a:fld id="{6700A58B-DD98-43D0-B791-721480A02982}" type="datetime1">
               <a:rPr lang="en-US" smtClean="0"/>
-              <a:t>5/17/23</a:t>
+              <a:t>5/30/23</a:t>
             </a:fld>
             <a:endParaRPr lang="en-US"/>
           </a:p>
@@ -2621,7 +2621,7 @@
           <a:p>
             <a:fld id="{7DB6E382-4F61-4E24-BE1A-377EC83D0E3A}" type="datetime1">
               <a:rPr lang="en-US" smtClean="0"/>
-              <a:t>5/17/23</a:t>
+              <a:t>5/30/23</a:t>
             </a:fld>
             <a:endParaRPr lang="en-US"/>
           </a:p>
@@ -2897,7 +2897,7 @@
           <a:p>
             <a:fld id="{4142EED6-FC16-45B9-B8C4-2BC5DBA88325}" type="datetime1">
               <a:rPr lang="en-US" smtClean="0"/>
-              <a:t>5/17/23</a:t>
+              <a:t>5/30/23</a:t>
             </a:fld>
             <a:endParaRPr lang="en-US"/>
           </a:p>
@@ -3180,7 +3180,7 @@
           <a:p>
             <a:fld id="{DF59512B-4F1D-43D7-8819-2F53FEF69650}" type="datetime1">
               <a:rPr lang="en-US" smtClean="0"/>
-              <a:t>5/17/23</a:t>
+              <a:t>5/30/23</a:t>
             </a:fld>
             <a:endParaRPr lang="en-US"/>
           </a:p>
@@ -3421,7 +3421,7 @@
           <a:p>
             <a:fld id="{08437B94-E2BF-44DC-ADC5-B05FC9934E9D}" type="datetime1">
               <a:rPr lang="en-US" smtClean="0"/>
-              <a:t>5/17/23</a:t>
+              <a:t>5/30/23</a:t>
             </a:fld>
             <a:endParaRPr lang="en-US"/>
           </a:p>
@@ -3888,7 +3888,7 @@
           <a:p>
             <a:fld id="{6700A58B-DD98-43D0-B791-721480A02982}" type="datetime1">
               <a:rPr lang="en-US" smtClean="0"/>
-              <a:t>5/17/23</a:t>
+              <a:t>5/30/23</a:t>
             </a:fld>
             <a:endParaRPr lang="en-US"/>
           </a:p>
@@ -4103,7 +4103,7 @@
           <a:p>
             <a:fld id="{6700A58B-DD98-43D0-B791-721480A02982}" type="datetime1">
               <a:rPr lang="en-US" smtClean="0"/>
-              <a:t>5/17/23</a:t>
+              <a:t>5/30/23</a:t>
             </a:fld>
             <a:endParaRPr lang="en-US"/>
           </a:p>
@@ -4533,7 +4533,7 @@
           <a:p>
             <a:fld id="{6700A58B-DD98-43D0-B791-721480A02982}" type="datetime1">
               <a:rPr lang="en-US" smtClean="0"/>
-              <a:t>5/17/23</a:t>
+              <a:t>5/30/23</a:t>
             </a:fld>
             <a:endParaRPr lang="en-US"/>
           </a:p>
@@ -4821,7 +4821,7 @@
           <a:p>
             <a:fld id="{6700A58B-DD98-43D0-B791-721480A02982}" type="datetime1">
               <a:rPr lang="en-US" smtClean="0"/>
-              <a:t>5/17/23</a:t>
+              <a:t>5/30/23</a:t>
             </a:fld>
             <a:endParaRPr lang="en-US"/>
           </a:p>
@@ -5453,7 +5453,7 @@
           <a:p>
             <a:fld id="{6700A58B-DD98-43D0-B791-721480A02982}" type="datetime1">
               <a:rPr lang="en-US" smtClean="0"/>
-              <a:t>5/17/23</a:t>
+              <a:t>5/30/23</a:t>
             </a:fld>
             <a:endParaRPr lang="en-US"/>
           </a:p>
@@ -6166,7 +6166,7 @@
           <a:p>
             <a:fld id="{6700A58B-DD98-43D0-B791-721480A02982}" type="datetime1">
               <a:rPr lang="en-US" smtClean="0"/>
-              <a:t>5/17/23</a:t>
+              <a:t>5/30/23</a:t>
             </a:fld>
             <a:endParaRPr lang="en-US"/>
           </a:p>
@@ -9365,7 +9365,7 @@
           <a:p>
             <a:fld id="{6700A58B-DD98-43D0-B791-721480A02982}" type="datetime1">
               <a:rPr lang="en-US" smtClean="0"/>
-              <a:t>5/17/23</a:t>
+              <a:t>5/30/23</a:t>
             </a:fld>
             <a:endParaRPr lang="en-US"/>
           </a:p>
@@ -9591,25 +9591,7 @@
                 <a:cs typeface="Open Sans"/>
                 <a:sym typeface="Open Sans"/>
               </a:rPr>
-              <a:t>This toy example shows 2 decision points were selected for each voter from among beds, baths, </a:t>
-            </a:r>
-            <a:r>
-              <a:rPr lang="en-US" sz="1200" dirty="0" err="1">
-                <a:latin typeface="Open Sans"/>
-                <a:ea typeface="Open Sans"/>
-                <a:cs typeface="Open Sans"/>
-                <a:sym typeface="Open Sans"/>
-              </a:rPr>
-              <a:t>sqft</a:t>
-            </a:r>
-            <a:r>
-              <a:rPr lang="en-US" sz="1200" dirty="0">
-                <a:latin typeface="Open Sans"/>
-                <a:ea typeface="Open Sans"/>
-                <a:cs typeface="Open Sans"/>
-                <a:sym typeface="Open Sans"/>
-              </a:rPr>
-              <a:t> and price.  </a:t>
+              <a:t>This toy example shows 2 decision points were selected for each voter from the variables.</a:t>
             </a:r>
           </a:p>
           <a:p>
@@ -9636,7 +9618,7 @@
                 <a:cs typeface="Open Sans"/>
                 <a:sym typeface="Open Sans"/>
               </a:rPr>
-              <a:t>The model parameters determine the number of variables used, and decision cutoff values</a:t>
+              <a:t>The model parameters determine the number of variables used.</a:t>
             </a:r>
           </a:p>
           <a:p>
@@ -9663,7 +9645,7 @@
                 <a:cs typeface="Open Sans"/>
                 <a:sym typeface="Open Sans"/>
               </a:rPr>
-              <a:t>An individual tree may choose beds/baths while another may get beds/</a:t>
+              <a:t>An individual tree may choose any single or two variables, for example, while another may get the same, or different </a:t>
             </a:r>
             <a:r>
               <a:rPr lang="en-US" sz="1200" dirty="0" err="1">
@@ -9672,7 +9654,7 @@
                 <a:cs typeface="Open Sans"/>
                 <a:sym typeface="Open Sans"/>
               </a:rPr>
-              <a:t>sqft</a:t>
+              <a:t>varibles</a:t>
             </a:r>
             <a:r>
               <a:rPr lang="en-US" sz="1200" dirty="0">
@@ -9681,25 +9663,7 @@
                 <a:cs typeface="Open Sans"/>
                 <a:sym typeface="Open Sans"/>
               </a:rPr>
-              <a:t> and still another gets </a:t>
-            </a:r>
-            <a:r>
-              <a:rPr lang="en-US" sz="1200" dirty="0" err="1">
-                <a:latin typeface="Open Sans"/>
-                <a:ea typeface="Open Sans"/>
-                <a:cs typeface="Open Sans"/>
-                <a:sym typeface="Open Sans"/>
-              </a:rPr>
-              <a:t>sqft</a:t>
-            </a:r>
-            <a:r>
-              <a:rPr lang="en-US" sz="1200" dirty="0">
-                <a:latin typeface="Open Sans"/>
-                <a:ea typeface="Open Sans"/>
-                <a:cs typeface="Open Sans"/>
-                <a:sym typeface="Open Sans"/>
-              </a:rPr>
-              <a:t>/price.</a:t>
+              <a:t> while a third may have one from each of the first two weak learners.</a:t>
             </a:r>
             <a:endParaRPr lang="en" sz="1200" dirty="0">
               <a:latin typeface="Open Sans"/>
@@ -9732,7 +9696,25 @@
                 <a:cs typeface="Open Sans"/>
                 <a:sym typeface="Open Sans"/>
               </a:rPr>
-              <a:t>A random forest grows many many classification trees</a:t>
+              <a:t>A random forest grows many many </a:t>
+            </a:r>
+            <a:r>
+              <a:rPr lang="en" sz="1200" dirty="0" err="1">
+                <a:latin typeface="Open Sans"/>
+                <a:ea typeface="Open Sans"/>
+                <a:cs typeface="Open Sans"/>
+                <a:sym typeface="Open Sans"/>
+              </a:rPr>
+              <a:t>rpart</a:t>
+            </a:r>
+            <a:r>
+              <a:rPr lang="en" sz="1200" dirty="0">
+                <a:latin typeface="Open Sans"/>
+                <a:ea typeface="Open Sans"/>
+                <a:cs typeface="Open Sans"/>
+                <a:sym typeface="Open Sans"/>
+              </a:rPr>
+              <a:t> trees</a:t>
             </a:r>
           </a:p>
           <a:p>
@@ -9759,7 +9741,7 @@
                 <a:cs typeface="Open Sans"/>
                 <a:sym typeface="Open Sans"/>
               </a:rPr>
-              <a:t>to create the forests but the number of variables or attributes needs to be specified</a:t>
+              <a:t>to create the forests but the number of variables needs to be specified</a:t>
             </a:r>
           </a:p>
           <a:p>
@@ -12629,7 +12611,7 @@
           <a:p>
             <a:fld id="{6700A58B-DD98-43D0-B791-721480A02982}" type="datetime1">
               <a:rPr lang="en-US" smtClean="0"/>
-              <a:t>5/17/23</a:t>
+              <a:t>5/30/23</a:t>
             </a:fld>
             <a:endParaRPr lang="en-US"/>
           </a:p>
@@ -12993,7 +12975,7 @@
                 <a:cs typeface="Open Sans"/>
                 <a:sym typeface="Open Sans"/>
               </a:rPr>
-              <a:t> imputation with missing indicator as an appended variable may be a good alternative.</a:t>
+              <a:t> imputation with missing indicator as an appended variable may be a good alternative.  The alternative is to use a number outside of the range for imputation to denote missing like -999</a:t>
             </a:r>
             <a:endParaRPr lang="en" sz="1600" dirty="0">
               <a:latin typeface="Open Sans"/>
@@ -13451,7 +13433,7 @@
           <a:p>
             <a:fld id="{6700A58B-DD98-43D0-B791-721480A02982}" type="datetime1">
               <a:rPr lang="en-US" smtClean="0"/>
-              <a:t>5/17/23</a:t>
+              <a:t>5/30/23</a:t>
             </a:fld>
             <a:endParaRPr lang="en-US"/>
           </a:p>
@@ -15333,7 +15315,7 @@
           <a:p>
             <a:fld id="{6700A58B-DD98-43D0-B791-721480A02982}" type="datetime1">
               <a:rPr lang="en-US" smtClean="0"/>
-              <a:t>5/17/23</a:t>
+              <a:t>5/30/23</a:t>
             </a:fld>
             <a:endParaRPr lang="en-US"/>
           </a:p>
@@ -16972,7 +16954,7 @@
           <a:p>
             <a:fld id="{6700A58B-DD98-43D0-B791-721480A02982}" type="datetime1">
               <a:rPr lang="en-US" smtClean="0"/>
-              <a:t>5/17/23</a:t>
+              <a:t>5/30/23</a:t>
             </a:fld>
             <a:endParaRPr lang="en-US"/>
           </a:p>
@@ -17167,7 +17149,7 @@
         <p:spPr>
           <a:xfrm>
             <a:off x="5131239" y="2661554"/>
-            <a:ext cx="2662935" cy="461665"/>
+            <a:ext cx="2662935" cy="646331"/>
           </a:xfrm>
           <a:prstGeom prst="rect">
             <a:avLst/>
@@ -17182,7 +17164,7 @@
           <a:p>
             <a:r>
               <a:rPr lang="en-US" sz="1200" dirty="0"/>
-              <a:t>I leave this small, and prefer to have more trees.  This is my preference.</a:t>
+              <a:t>Variables: I leave this small, and prefer to have more trees.  This is my preference.</a:t>
             </a:r>
           </a:p>
         </p:txBody>
@@ -17202,7 +17184,7 @@
         <p:spPr>
           <a:xfrm>
             <a:off x="5131239" y="4120239"/>
-            <a:ext cx="2662935" cy="830997"/>
+            <a:ext cx="2662935" cy="1015663"/>
           </a:xfrm>
           <a:prstGeom prst="rect">
             <a:avLst/>
@@ -17217,7 +17199,7 @@
           <a:p>
             <a:r>
               <a:rPr lang="en-US" sz="1200" dirty="0"/>
-              <a:t>I accept the minimum default classification </a:t>
+              <a:t>Terminal Nodes:  accept the minimum default classification </a:t>
             </a:r>
             <a:r>
               <a:rPr lang="en-US" sz="1200" dirty="0" err="1">
@@ -17598,7 +17580,7 @@
           <a:p>
             <a:r>
               <a:rPr lang="en-US" sz="1200" dirty="0"/>
-              <a:t>I run a few hundred then review the OOB metrics and choose as part of evaluation.</a:t>
+              <a:t>Trees: I run a few hundred then review the OOB metrics and choose as part of evaluation.</a:t>
             </a:r>
           </a:p>
         </p:txBody>
